--- a/topic7/Topic7.Pipelined CPU accessing Mem. in multiple cycle.pptx
+++ b/topic7/Topic7.Pipelined CPU accessing Mem. in multiple cycle.pptx
@@ -261,7 +261,7 @@
           <a:p>
             <a:fld id="{21FA232E-0D23-E744-A2E7-48CC2B10A8E9}" type="datetimeFigureOut">
               <a:rPr kumimoji="1" lang="zh-CN" altLang="en-US" smtClean="0"/>
-              <a:t>2018/12/24</a:t>
+              <a:t>2019/1/7</a:t>
             </a:fld>
             <a:endParaRPr kumimoji="1" lang="zh-CN" altLang="en-US"/>
           </a:p>
@@ -1295,7 +1295,7 @@
           <a:p>
             <a:fld id="{EF50BAF8-1120-4869-B1EC-9D010EF77D65}" type="datetimeFigureOut">
               <a:rPr lang="zh-CN" altLang="en-US" smtClean="0"/>
-              <a:t>2018/12/24</a:t>
+              <a:t>2019/1/7</a:t>
             </a:fld>
             <a:endParaRPr lang="zh-CN" altLang="en-US"/>
           </a:p>
@@ -1463,7 +1463,7 @@
           <a:p>
             <a:fld id="{EF50BAF8-1120-4869-B1EC-9D010EF77D65}" type="datetimeFigureOut">
               <a:rPr lang="zh-CN" altLang="en-US" smtClean="0"/>
-              <a:t>2018/12/24</a:t>
+              <a:t>2019/1/7</a:t>
             </a:fld>
             <a:endParaRPr lang="zh-CN" altLang="en-US"/>
           </a:p>
@@ -1641,7 +1641,7 @@
           <a:p>
             <a:fld id="{EF50BAF8-1120-4869-B1EC-9D010EF77D65}" type="datetimeFigureOut">
               <a:rPr lang="zh-CN" altLang="en-US" smtClean="0"/>
-              <a:t>2018/12/24</a:t>
+              <a:t>2019/1/7</a:t>
             </a:fld>
             <a:endParaRPr lang="zh-CN" altLang="en-US"/>
           </a:p>
@@ -1938,7 +1938,7 @@
           <a:p>
             <a:fld id="{530820CF-B880-4189-942D-D702A7CBA730}" type="datetimeFigureOut">
               <a:rPr lang="zh-CN" altLang="en-US" smtClean="0"/>
-              <a:t>2018/12/24</a:t>
+              <a:t>2019/1/7</a:t>
             </a:fld>
             <a:endParaRPr lang="zh-CN" altLang="en-US"/>
           </a:p>
@@ -2360,7 +2360,7 @@
           <a:p>
             <a:fld id="{530820CF-B880-4189-942D-D702A7CBA730}" type="datetimeFigureOut">
               <a:rPr lang="zh-CN" altLang="en-US" smtClean="0"/>
-              <a:t>2018/12/24</a:t>
+              <a:t>2019/1/7</a:t>
             </a:fld>
             <a:endParaRPr lang="zh-CN" altLang="en-US"/>
           </a:p>
@@ -2615,7 +2615,7 @@
           <a:p>
             <a:fld id="{530820CF-B880-4189-942D-D702A7CBA730}" type="datetimeFigureOut">
               <a:rPr lang="zh-CN" altLang="en-US" smtClean="0"/>
-              <a:t>2018/12/24</a:t>
+              <a:t>2019/1/7</a:t>
             </a:fld>
             <a:endParaRPr lang="zh-CN" altLang="en-US"/>
           </a:p>
@@ -2813,7 +2813,7 @@
           <a:p>
             <a:fld id="{530820CF-B880-4189-942D-D702A7CBA730}" type="datetimeFigureOut">
               <a:rPr lang="zh-CN" altLang="en-US" smtClean="0"/>
-              <a:t>2018/12/24</a:t>
+              <a:t>2019/1/7</a:t>
             </a:fld>
             <a:endParaRPr lang="zh-CN" altLang="en-US"/>
           </a:p>
@@ -3093,7 +3093,7 @@
           <a:p>
             <a:fld id="{530820CF-B880-4189-942D-D702A7CBA730}" type="datetimeFigureOut">
               <a:rPr lang="zh-CN" altLang="en-US" smtClean="0"/>
-              <a:t>2018/12/24</a:t>
+              <a:t>2019/1/7</a:t>
             </a:fld>
             <a:endParaRPr lang="zh-CN" altLang="en-US"/>
           </a:p>
@@ -3507,7 +3507,7 @@
           <a:p>
             <a:fld id="{530820CF-B880-4189-942D-D702A7CBA730}" type="datetimeFigureOut">
               <a:rPr lang="zh-CN" altLang="en-US" smtClean="0"/>
-              <a:t>2018/12/24</a:t>
+              <a:t>2019/1/7</a:t>
             </a:fld>
             <a:endParaRPr lang="zh-CN" altLang="en-US"/>
           </a:p>
@@ -3619,7 +3619,7 @@
           <a:p>
             <a:fld id="{530820CF-B880-4189-942D-D702A7CBA730}" type="datetimeFigureOut">
               <a:rPr lang="zh-CN" altLang="en-US" smtClean="0"/>
-              <a:t>2018/12/24</a:t>
+              <a:t>2019/1/7</a:t>
             </a:fld>
             <a:endParaRPr lang="zh-CN" altLang="en-US"/>
           </a:p>
@@ -3709,7 +3709,7 @@
           <a:p>
             <a:fld id="{530820CF-B880-4189-942D-D702A7CBA730}" type="datetimeFigureOut">
               <a:rPr lang="zh-CN" altLang="en-US" smtClean="0"/>
-              <a:t>2018/12/24</a:t>
+              <a:t>2019/1/7</a:t>
             </a:fld>
             <a:endParaRPr lang="zh-CN" altLang="en-US"/>
           </a:p>
@@ -3876,7 +3876,7 @@
           <a:p>
             <a:fld id="{EF50BAF8-1120-4869-B1EC-9D010EF77D65}" type="datetimeFigureOut">
               <a:rPr lang="zh-CN" altLang="en-US" smtClean="0"/>
-              <a:t>2018/12/24</a:t>
+              <a:t>2019/1/7</a:t>
             </a:fld>
             <a:endParaRPr lang="zh-CN" altLang="en-US"/>
           </a:p>
@@ -4151,7 +4151,7 @@
           <a:p>
             <a:fld id="{530820CF-B880-4189-942D-D702A7CBA730}" type="datetimeFigureOut">
               <a:rPr lang="zh-CN" altLang="en-US" smtClean="0"/>
-              <a:t>2018/12/24</a:t>
+              <a:t>2019/1/7</a:t>
             </a:fld>
             <a:endParaRPr lang="zh-CN" altLang="en-US"/>
           </a:p>
@@ -4401,7 +4401,7 @@
           <a:p>
             <a:fld id="{530820CF-B880-4189-942D-D702A7CBA730}" type="datetimeFigureOut">
               <a:rPr lang="zh-CN" altLang="en-US" smtClean="0"/>
-              <a:t>2018/12/24</a:t>
+              <a:t>2019/1/7</a:t>
             </a:fld>
             <a:endParaRPr lang="zh-CN" altLang="en-US"/>
           </a:p>
@@ -4564,7 +4564,7 @@
           <a:p>
             <a:fld id="{530820CF-B880-4189-942D-D702A7CBA730}" type="datetimeFigureOut">
               <a:rPr lang="zh-CN" altLang="en-US" smtClean="0"/>
-              <a:t>2018/12/24</a:t>
+              <a:t>2019/1/7</a:t>
             </a:fld>
             <a:endParaRPr lang="zh-CN" altLang="en-US"/>
           </a:p>
@@ -4737,7 +4737,7 @@
           <a:p>
             <a:fld id="{530820CF-B880-4189-942D-D702A7CBA730}" type="datetimeFigureOut">
               <a:rPr lang="zh-CN" altLang="en-US" smtClean="0"/>
-              <a:t>2018/12/24</a:t>
+              <a:t>2019/1/7</a:t>
             </a:fld>
             <a:endParaRPr lang="zh-CN" altLang="en-US"/>
           </a:p>
@@ -5145,7 +5145,7 @@
           <a:p>
             <a:fld id="{EF50BAF8-1120-4869-B1EC-9D010EF77D65}" type="datetimeFigureOut">
               <a:rPr lang="zh-CN" altLang="en-US" smtClean="0"/>
-              <a:t>2018/12/24</a:t>
+              <a:t>2019/1/7</a:t>
             </a:fld>
             <a:endParaRPr lang="zh-CN" altLang="en-US"/>
           </a:p>
@@ -5317,7 +5317,7 @@
           <a:p>
             <a:fld id="{EF50BAF8-1120-4869-B1EC-9D010EF77D65}" type="datetimeFigureOut">
               <a:rPr lang="zh-CN" altLang="en-US" smtClean="0"/>
-              <a:t>2018/12/24</a:t>
+              <a:t>2019/1/7</a:t>
             </a:fld>
             <a:endParaRPr lang="zh-CN" altLang="en-US"/>
           </a:p>
@@ -5562,7 +5562,7 @@
           <a:p>
             <a:fld id="{EF50BAF8-1120-4869-B1EC-9D010EF77D65}" type="datetimeFigureOut">
               <a:rPr lang="zh-CN" altLang="en-US" smtClean="0"/>
-              <a:t>2018/12/24</a:t>
+              <a:t>2019/1/7</a:t>
             </a:fld>
             <a:endParaRPr lang="zh-CN" altLang="en-US"/>
           </a:p>
@@ -5847,7 +5847,7 @@
           <a:p>
             <a:fld id="{EF50BAF8-1120-4869-B1EC-9D010EF77D65}" type="datetimeFigureOut">
               <a:rPr lang="zh-CN" altLang="en-US" smtClean="0"/>
-              <a:t>2018/12/24</a:t>
+              <a:t>2019/1/7</a:t>
             </a:fld>
             <a:endParaRPr lang="zh-CN" altLang="en-US"/>
           </a:p>
@@ -6266,7 +6266,7 @@
           <a:p>
             <a:fld id="{EF50BAF8-1120-4869-B1EC-9D010EF77D65}" type="datetimeFigureOut">
               <a:rPr lang="zh-CN" altLang="en-US" smtClean="0"/>
-              <a:t>2018/12/24</a:t>
+              <a:t>2019/1/7</a:t>
             </a:fld>
             <a:endParaRPr lang="zh-CN" altLang="en-US"/>
           </a:p>
@@ -6511,7 +6511,7 @@
           <a:p>
             <a:fld id="{EF50BAF8-1120-4869-B1EC-9D010EF77D65}" type="datetimeFigureOut">
               <a:rPr lang="zh-CN" altLang="en-US" smtClean="0"/>
-              <a:t>2018/12/24</a:t>
+              <a:t>2019/1/7</a:t>
             </a:fld>
             <a:endParaRPr lang="zh-CN" altLang="en-US"/>
           </a:p>
@@ -6628,7 +6628,7 @@
           <a:p>
             <a:fld id="{EF50BAF8-1120-4869-B1EC-9D010EF77D65}" type="datetimeFigureOut">
               <a:rPr lang="zh-CN" altLang="en-US" smtClean="0"/>
-              <a:t>2018/12/24</a:t>
+              <a:t>2019/1/7</a:t>
             </a:fld>
             <a:endParaRPr lang="zh-CN" altLang="en-US"/>
           </a:p>
@@ -6723,7 +6723,7 @@
           <a:p>
             <a:fld id="{EF50BAF8-1120-4869-B1EC-9D010EF77D65}" type="datetimeFigureOut">
               <a:rPr lang="zh-CN" altLang="en-US" smtClean="0"/>
-              <a:t>2018/12/24</a:t>
+              <a:t>2019/1/7</a:t>
             </a:fld>
             <a:endParaRPr lang="zh-CN" altLang="en-US"/>
           </a:p>
@@ -6998,7 +6998,7 @@
           <a:p>
             <a:fld id="{EF50BAF8-1120-4869-B1EC-9D010EF77D65}" type="datetimeFigureOut">
               <a:rPr lang="zh-CN" altLang="en-US" smtClean="0"/>
-              <a:t>2018/12/24</a:t>
+              <a:t>2019/1/7</a:t>
             </a:fld>
             <a:endParaRPr lang="zh-CN" altLang="en-US"/>
           </a:p>
@@ -7253,7 +7253,7 @@
           <a:p>
             <a:fld id="{EF50BAF8-1120-4869-B1EC-9D010EF77D65}" type="datetimeFigureOut">
               <a:rPr lang="zh-CN" altLang="en-US" smtClean="0"/>
-              <a:t>2018/12/24</a:t>
+              <a:t>2019/1/7</a:t>
             </a:fld>
             <a:endParaRPr lang="zh-CN" altLang="en-US"/>
           </a:p>
@@ -7421,7 +7421,7 @@
           <a:p>
             <a:fld id="{EF50BAF8-1120-4869-B1EC-9D010EF77D65}" type="datetimeFigureOut">
               <a:rPr lang="zh-CN" altLang="en-US" smtClean="0"/>
-              <a:t>2018/12/24</a:t>
+              <a:t>2019/1/7</a:t>
             </a:fld>
             <a:endParaRPr lang="zh-CN" altLang="en-US"/>
           </a:p>
@@ -7599,7 +7599,7 @@
           <a:p>
             <a:fld id="{EF50BAF8-1120-4869-B1EC-9D010EF77D65}" type="datetimeFigureOut">
               <a:rPr lang="zh-CN" altLang="en-US" smtClean="0"/>
-              <a:t>2018/12/24</a:t>
+              <a:t>2019/1/7</a:t>
             </a:fld>
             <a:endParaRPr lang="zh-CN" altLang="en-US"/>
           </a:p>
@@ -7884,7 +7884,7 @@
           <a:p>
             <a:fld id="{EF50BAF8-1120-4869-B1EC-9D010EF77D65}" type="datetimeFigureOut">
               <a:rPr lang="zh-CN" altLang="en-US" smtClean="0"/>
-              <a:t>2018/12/24</a:t>
+              <a:t>2019/1/7</a:t>
             </a:fld>
             <a:endParaRPr lang="zh-CN" altLang="en-US"/>
           </a:p>
@@ -8303,7 +8303,7 @@
           <a:p>
             <a:fld id="{EF50BAF8-1120-4869-B1EC-9D010EF77D65}" type="datetimeFigureOut">
               <a:rPr lang="zh-CN" altLang="en-US" smtClean="0"/>
-              <a:t>2018/12/24</a:t>
+              <a:t>2019/1/7</a:t>
             </a:fld>
             <a:endParaRPr lang="zh-CN" altLang="en-US"/>
           </a:p>
@@ -8420,7 +8420,7 @@
           <a:p>
             <a:fld id="{EF50BAF8-1120-4869-B1EC-9D010EF77D65}" type="datetimeFigureOut">
               <a:rPr lang="zh-CN" altLang="en-US" smtClean="0"/>
-              <a:t>2018/12/24</a:t>
+              <a:t>2019/1/7</a:t>
             </a:fld>
             <a:endParaRPr lang="zh-CN" altLang="en-US"/>
           </a:p>
@@ -8515,7 +8515,7 @@
           <a:p>
             <a:fld id="{EF50BAF8-1120-4869-B1EC-9D010EF77D65}" type="datetimeFigureOut">
               <a:rPr lang="zh-CN" altLang="en-US" smtClean="0"/>
-              <a:t>2018/12/24</a:t>
+              <a:t>2019/1/7</a:t>
             </a:fld>
             <a:endParaRPr lang="zh-CN" altLang="en-US"/>
           </a:p>
@@ -8790,7 +8790,7 @@
           <a:p>
             <a:fld id="{EF50BAF8-1120-4869-B1EC-9D010EF77D65}" type="datetimeFigureOut">
               <a:rPr lang="zh-CN" altLang="en-US" smtClean="0"/>
-              <a:t>2018/12/24</a:t>
+              <a:t>2019/1/7</a:t>
             </a:fld>
             <a:endParaRPr lang="zh-CN" altLang="en-US"/>
           </a:p>
@@ -9042,7 +9042,7 @@
           <a:p>
             <a:fld id="{EF50BAF8-1120-4869-B1EC-9D010EF77D65}" type="datetimeFigureOut">
               <a:rPr lang="zh-CN" altLang="en-US" smtClean="0"/>
-              <a:t>2018/12/24</a:t>
+              <a:t>2019/1/7</a:t>
             </a:fld>
             <a:endParaRPr lang="zh-CN" altLang="en-US"/>
           </a:p>
@@ -9299,7 +9299,7 @@
           <a:p>
             <a:fld id="{EF50BAF8-1120-4869-B1EC-9D010EF77D65}" type="datetimeFigureOut">
               <a:rPr lang="zh-CN" altLang="en-US" smtClean="0"/>
-              <a:t>2018/12/24</a:t>
+              <a:t>2019/1/7</a:t>
             </a:fld>
             <a:endParaRPr lang="zh-CN" altLang="en-US"/>
           </a:p>
@@ -9818,7 +9818,7 @@
           <a:p>
             <a:fld id="{530820CF-B880-4189-942D-D702A7CBA730}" type="datetimeFigureOut">
               <a:rPr lang="zh-CN" altLang="en-US" smtClean="0"/>
-              <a:t>2018/12/24</a:t>
+              <a:t>2019/1/7</a:t>
             </a:fld>
             <a:endParaRPr lang="zh-CN" altLang="en-US"/>
           </a:p>
@@ -10360,7 +10360,7 @@
           <a:p>
             <a:fld id="{EF50BAF8-1120-4869-B1EC-9D010EF77D65}" type="datetimeFigureOut">
               <a:rPr lang="zh-CN" altLang="en-US" smtClean="0"/>
-              <a:t>2018/12/24</a:t>
+              <a:t>2019/1/7</a:t>
             </a:fld>
             <a:endParaRPr lang="zh-CN" altLang="en-US"/>
           </a:p>
